--- a/encryption.pptx
+++ b/encryption.pptx
@@ -234,7 +234,7 @@
           <a:p>
             <a:fld id="{3E6E1E63-6347-BD4F-A808-7F54FA34CE72}" type="datetimeFigureOut">
               <a:rPr kumimoji="1" lang="zh-CN" altLang="en-US" smtClean="0"/>
-              <a:t>2022/6/22</a:t>
+              <a:t>2022/7/4</a:t>
             </a:fld>
             <a:endParaRPr kumimoji="1" lang="zh-CN" altLang="en-US"/>
           </a:p>
@@ -19628,11 +19628,7 @@
             </a:r>
             <a:r>
               <a:rPr lang="zh-CN" altLang="en-US" sz="1400" b="0" dirty="0"/>
-              <a:t>是负责签发证书、认证证书、管理已颁发证书的</a:t>
-            </a:r>
-            <a:r>
-              <a:rPr lang="zh-CN" altLang="en-US" sz="1400" b="0" dirty="0"/>
-              <a:t>机关</a:t>
+              <a:t>是负责签发证书、认证证书、管理已颁发证书的机关</a:t>
             </a:r>
             <a:r>
               <a:rPr lang="zh-CN" altLang="en-US" sz="1400" b="0" dirty="0" smtClean="0"/>
@@ -20784,7 +20780,7 @@
         </p:nvSpPr>
         <p:spPr>
           <a:xfrm>
-            <a:off x="6003280" y="4616376"/>
+            <a:off x="6003280" y="5556319"/>
             <a:ext cx="1683474" cy="338554"/>
           </a:xfrm>
           <a:prstGeom prst="rect">
@@ -20854,7 +20850,7 @@
         </p:nvSpPr>
         <p:spPr>
           <a:xfrm>
-            <a:off x="6003280" y="5101537"/>
+            <a:off x="6003280" y="6107377"/>
             <a:ext cx="5129942" cy="359009"/>
           </a:xfrm>
           <a:prstGeom prst="rect">
@@ -21087,6 +21083,30 @@
           </a:p>
         </p:txBody>
       </p:sp>
+      <p:pic>
+        <p:nvPicPr>
+          <p:cNvPr id="4" name="图片 3"/>
+          <p:cNvPicPr>
+            <a:picLocks noChangeAspect="1"/>
+          </p:cNvPicPr>
+          <p:nvPr/>
+        </p:nvPicPr>
+        <p:blipFill>
+          <a:blip r:embed="rId2"/>
+          <a:stretch>
+            <a:fillRect/>
+          </a:stretch>
+        </p:blipFill>
+        <p:spPr>
+          <a:xfrm>
+            <a:off x="6003279" y="3729332"/>
+            <a:ext cx="4781550" cy="1809750"/>
+          </a:xfrm>
+          <a:prstGeom prst="rect">
+            <a:avLst/>
+          </a:prstGeom>
+        </p:spPr>
+      </p:pic>
     </p:spTree>
     <p:extLst>
       <p:ext uri="{BB962C8B-B14F-4D97-AF65-F5344CB8AC3E}">
@@ -21461,38 +21481,6 @@
           </a:p>
         </p:txBody>
       </p:sp>
-      <p:pic>
-        <p:nvPicPr>
-          <p:cNvPr id="4" name="图片 3">
-            <a:hlinkClick r:id="rId2"/>
-          </p:cNvPr>
-          <p:cNvPicPr>
-            <a:picLocks noChangeAspect="1"/>
-          </p:cNvPicPr>
-          <p:nvPr/>
-        </p:nvPicPr>
-        <p:blipFill>
-          <a:blip r:embed="rId3">
-            <a:extLst>
-              <a:ext uri="{28A0092B-C50C-407E-A947-70E740481C1C}">
-                <a14:useLocalDpi xmlns:a14="http://schemas.microsoft.com/office/drawing/2010/main" val="0"/>
-              </a:ext>
-            </a:extLst>
-          </a:blip>
-          <a:stretch>
-            <a:fillRect/>
-          </a:stretch>
-        </p:blipFill>
-        <p:spPr>
-          <a:xfrm>
-            <a:off x="5181600" y="6149683"/>
-            <a:ext cx="1828800" cy="243840"/>
-          </a:xfrm>
-          <a:prstGeom prst="rect">
-            <a:avLst/>
-          </a:prstGeom>
-        </p:spPr>
-      </p:pic>
     </p:spTree>
     <p:extLst>
       <p:ext uri="{BB962C8B-B14F-4D97-AF65-F5344CB8AC3E}">
@@ -21567,14 +21555,7 @@
                 <a:cs typeface="+mn-ea"/>
                 <a:sym typeface="+mn-lt"/>
               </a:rPr>
-              <a:t>密钥协商</a:t>
-            </a:r>
-            <a:r>
-              <a:rPr kumimoji="1" lang="zh-CN" altLang="en-US" dirty="0" smtClean="0">
-                <a:cs typeface="+mn-ea"/>
-                <a:sym typeface="+mn-lt"/>
-              </a:rPr>
-              <a:t>算法（离散对数）</a:t>
+              <a:t>密钥协商算法（离散对数）</a:t>
             </a:r>
             <a:endParaRPr kumimoji="1" lang="zh-CN" altLang="en-US" dirty="0">
               <a:cs typeface="+mn-ea"/>
@@ -22201,38 +22182,6 @@
           </a:p>
         </p:txBody>
       </p:sp>
-      <p:pic>
-        <p:nvPicPr>
-          <p:cNvPr id="4" name="图片 3">
-            <a:hlinkClick r:id="rId2"/>
-          </p:cNvPr>
-          <p:cNvPicPr>
-            <a:picLocks noChangeAspect="1"/>
-          </p:cNvPicPr>
-          <p:nvPr/>
-        </p:nvPicPr>
-        <p:blipFill>
-          <a:blip r:embed="rId3">
-            <a:extLst>
-              <a:ext uri="{28A0092B-C50C-407E-A947-70E740481C1C}">
-                <a14:useLocalDpi xmlns:a14="http://schemas.microsoft.com/office/drawing/2010/main" val="0"/>
-              </a:ext>
-            </a:extLst>
-          </a:blip>
-          <a:stretch>
-            <a:fillRect/>
-          </a:stretch>
-        </p:blipFill>
-        <p:spPr>
-          <a:xfrm>
-            <a:off x="5181600" y="6149683"/>
-            <a:ext cx="1828800" cy="243840"/>
-          </a:xfrm>
-          <a:prstGeom prst="rect">
-            <a:avLst/>
-          </a:prstGeom>
-        </p:spPr>
-      </p:pic>
     </p:spTree>
     <p:extLst>
       <p:ext uri="{BB962C8B-B14F-4D97-AF65-F5344CB8AC3E}">
